--- a/Documentation/Presentations/MAU Tech - Demo 3.pptx
+++ b/Documentation/Presentations/MAU Tech - Demo 3.pptx
@@ -5,21 +5,22 @@
     <p:sldMasterId id="2147483684" r:id="rId1"/>
   </p:sldMasterIdLst>
   <p:notesMasterIdLst>
-    <p:notesMasterId r:id="rId14"/>
+    <p:notesMasterId r:id="rId15"/>
   </p:notesMasterIdLst>
   <p:sldIdLst>
     <p:sldId id="256" r:id="rId2"/>
-    <p:sldId id="257" r:id="rId3"/>
-    <p:sldId id="258" r:id="rId4"/>
-    <p:sldId id="266" r:id="rId5"/>
-    <p:sldId id="261" r:id="rId6"/>
-    <p:sldId id="269" r:id="rId7"/>
-    <p:sldId id="260" r:id="rId8"/>
-    <p:sldId id="262" r:id="rId9"/>
-    <p:sldId id="263" r:id="rId10"/>
-    <p:sldId id="267" r:id="rId11"/>
-    <p:sldId id="268" r:id="rId12"/>
-    <p:sldId id="265" r:id="rId13"/>
+    <p:sldId id="258" r:id="rId3"/>
+    <p:sldId id="266" r:id="rId4"/>
+    <p:sldId id="261" r:id="rId5"/>
+    <p:sldId id="269" r:id="rId6"/>
+    <p:sldId id="260" r:id="rId7"/>
+    <p:sldId id="262" r:id="rId8"/>
+    <p:sldId id="263" r:id="rId9"/>
+    <p:sldId id="267" r:id="rId10"/>
+    <p:sldId id="268" r:id="rId11"/>
+    <p:sldId id="270" r:id="rId12"/>
+    <p:sldId id="271" r:id="rId13"/>
+    <p:sldId id="265" r:id="rId14"/>
   </p:sldIdLst>
   <p:sldSz cx="9144000" cy="6858000" type="screen4x3"/>
   <p:notesSz cx="6858000" cy="9144000"/>
@@ -219,7 +220,7 @@
           <a:p>
             <a:fld id="{BE3EE897-F72E-4A2F-ADB1-49F9F5582FC6}" type="datetimeFigureOut">
               <a:rPr lang="en-ZA" smtClean="0"/>
-              <a:t>2014-08-21</a:t>
+              <a:t>2014/08/22</a:t>
             </a:fld>
             <a:endParaRPr lang="en-ZA"/>
           </a:p>
@@ -675,7 +676,7 @@
             <a:fld id="{1D8BD707-D9CF-40AE-B4C6-C98DA3205C09}" type="datetimeFigureOut">
               <a:rPr lang="en-US" smtClean="0"/>
               <a:pPr/>
-              <a:t>8/21/2014</a:t>
+              <a:t>8/22/2014</a:t>
             </a:fld>
             <a:endParaRPr lang="en-US"/>
           </a:p>
@@ -842,7 +843,7 @@
             <a:fld id="{1D8BD707-D9CF-40AE-B4C6-C98DA3205C09}" type="datetimeFigureOut">
               <a:rPr lang="en-US" smtClean="0"/>
               <a:pPr/>
-              <a:t>8/21/2014</a:t>
+              <a:t>8/22/2014</a:t>
             </a:fld>
             <a:endParaRPr lang="en-US"/>
           </a:p>
@@ -1019,7 +1020,7 @@
             <a:fld id="{1D8BD707-D9CF-40AE-B4C6-C98DA3205C09}" type="datetimeFigureOut">
               <a:rPr lang="en-US" smtClean="0"/>
               <a:pPr/>
-              <a:t>8/21/2014</a:t>
+              <a:t>8/22/2014</a:t>
             </a:fld>
             <a:endParaRPr lang="en-US"/>
           </a:p>
@@ -1186,7 +1187,7 @@
             <a:fld id="{1D8BD707-D9CF-40AE-B4C6-C98DA3205C09}" type="datetimeFigureOut">
               <a:rPr lang="en-US" smtClean="0"/>
               <a:pPr/>
-              <a:t>8/21/2014</a:t>
+              <a:t>8/22/2014</a:t>
             </a:fld>
             <a:endParaRPr lang="en-US"/>
           </a:p>
@@ -1427,7 +1428,7 @@
             <a:fld id="{1D8BD707-D9CF-40AE-B4C6-C98DA3205C09}" type="datetimeFigureOut">
               <a:rPr lang="en-US" smtClean="0"/>
               <a:pPr/>
-              <a:t>8/21/2014</a:t>
+              <a:t>8/22/2014</a:t>
             </a:fld>
             <a:endParaRPr lang="en-US"/>
           </a:p>
@@ -1519,7 +1520,7 @@
             <a:fld id="{1D8BD707-D9CF-40AE-B4C6-C98DA3205C09}" type="datetimeFigureOut">
               <a:rPr lang="en-US" smtClean="0"/>
               <a:pPr/>
-              <a:t>8/21/2014</a:t>
+              <a:t>8/22/2014</a:t>
             </a:fld>
             <a:endParaRPr lang="en-US"/>
           </a:p>
@@ -1895,7 +1896,7 @@
             <a:fld id="{1D8BD707-D9CF-40AE-B4C6-C98DA3205C09}" type="datetimeFigureOut">
               <a:rPr lang="en-US" smtClean="0"/>
               <a:pPr/>
-              <a:t>8/21/2014</a:t>
+              <a:t>8/22/2014</a:t>
             </a:fld>
             <a:endParaRPr lang="en-US"/>
           </a:p>
@@ -2152,7 +2153,7 @@
             <a:fld id="{1D8BD707-D9CF-40AE-B4C6-C98DA3205C09}" type="datetimeFigureOut">
               <a:rPr lang="en-US" smtClean="0"/>
               <a:pPr/>
-              <a:t>8/21/2014</a:t>
+              <a:t>8/22/2014</a:t>
             </a:fld>
             <a:endParaRPr lang="en-US"/>
           </a:p>
@@ -2244,7 +2245,7 @@
             <a:fld id="{1D8BD707-D9CF-40AE-B4C6-C98DA3205C09}" type="datetimeFigureOut">
               <a:rPr lang="en-US" smtClean="0"/>
               <a:pPr/>
-              <a:t>8/21/2014</a:t>
+              <a:t>8/22/2014</a:t>
             </a:fld>
             <a:endParaRPr lang="en-US"/>
           </a:p>
@@ -2520,7 +2521,7 @@
             <a:fld id="{1D8BD707-D9CF-40AE-B4C6-C98DA3205C09}" type="datetimeFigureOut">
               <a:rPr lang="en-US" smtClean="0"/>
               <a:pPr/>
-              <a:t>8/21/2014</a:t>
+              <a:t>8/22/2014</a:t>
             </a:fld>
             <a:endParaRPr lang="en-US"/>
           </a:p>
@@ -2794,7 +2795,7 @@
             <a:fld id="{1D8BD707-D9CF-40AE-B4C6-C98DA3205C09}" type="datetimeFigureOut">
               <a:rPr lang="en-US" smtClean="0"/>
               <a:pPr/>
-              <a:t>8/21/2014</a:t>
+              <a:t>8/22/2014</a:t>
             </a:fld>
             <a:endParaRPr lang="en-US"/>
           </a:p>
@@ -3096,7 +3097,7 @@
             <a:fld id="{1D8BD707-D9CF-40AE-B4C6-C98DA3205C09}" type="datetimeFigureOut">
               <a:rPr lang="en-US" smtClean="0"/>
               <a:pPr/>
-              <a:t>8/21/2014</a:t>
+              <a:t>8/22/2014</a:t>
             </a:fld>
             <a:endParaRPr lang="en-US"/>
           </a:p>
@@ -3742,87 +3743,81 @@
           <a:p>
             <a:r>
               <a:rPr lang="en-ZA" dirty="0" smtClean="0"/>
-              <a:t>Previously: Radio Frequency</a:t>
-            </a:r>
-          </a:p>
-          <a:p>
-            <a:r>
-              <a:rPr lang="en-ZA" dirty="0" smtClean="0"/>
-              <a:t>Now: Bluetooth 4</a:t>
+              <a:t>Intended usage</a:t>
             </a:r>
           </a:p>
           <a:p>
             <a:pPr lvl="1"/>
             <a:r>
               <a:rPr lang="en-ZA" dirty="0" smtClean="0"/>
-              <a:t>nRF51822</a:t>
+              <a:t>Beacon on painting</a:t>
             </a:r>
           </a:p>
           <a:p>
             <a:pPr lvl="1"/>
             <a:r>
               <a:rPr lang="en-ZA" dirty="0" smtClean="0"/>
-              <a:t>20mm diameter</a:t>
+              <a:t>Bring phone close to painting</a:t>
             </a:r>
           </a:p>
           <a:p>
             <a:pPr lvl="1"/>
             <a:r>
               <a:rPr lang="en-ZA" dirty="0" smtClean="0"/>
-              <a:t>Firmware</a:t>
-            </a:r>
-            <a:endParaRPr lang="en-ZA" dirty="0"/>
+              <a:t>App tells you about it</a:t>
+            </a:r>
+          </a:p>
+          <a:p>
+            <a:r>
+              <a:rPr lang="en-ZA" dirty="0" smtClean="0"/>
+              <a:t>Our usage</a:t>
+            </a:r>
           </a:p>
           <a:p>
             <a:pPr lvl="1"/>
             <a:r>
               <a:rPr lang="en-ZA" dirty="0" smtClean="0"/>
-              <a:t>Android source code</a:t>
-            </a:r>
-            <a:endParaRPr lang="en-ZA" dirty="0"/>
-          </a:p>
-        </p:txBody>
-      </p:sp>
-      <p:pic>
-        <p:nvPicPr>
-          <p:cNvPr id="4" name="Picture 3"/>
-          <p:cNvPicPr>
-            <a:picLocks noChangeAspect="1"/>
-          </p:cNvPicPr>
-          <p:nvPr/>
-        </p:nvPicPr>
-        <p:blipFill>
-          <a:blip r:embed="rId2" cstate="print">
-            <a:extLst>
-              <a:ext uri="{28A0092B-C50C-407E-A947-70E740481C1C}">
-                <a14:useLocalDpi xmlns:a14="http://schemas.microsoft.com/office/drawing/2010/main" val="0"/>
-              </a:ext>
-            </a:extLst>
-          </a:blip>
-          <a:stretch>
-            <a:fillRect/>
-          </a:stretch>
-        </p:blipFill>
-        <p:spPr>
-          <a:xfrm>
-            <a:off x="6248400" y="4539596"/>
-            <a:ext cx="2459935" cy="1885950"/>
-          </a:xfrm>
-          <a:prstGeom prst="rect">
-            <a:avLst/>
-          </a:prstGeom>
-        </p:spPr>
-      </p:pic>
+              <a:t>Cheap phones positioned around room</a:t>
+            </a:r>
+          </a:p>
+          <a:p>
+            <a:pPr lvl="1"/>
+            <a:r>
+              <a:rPr lang="en-ZA" dirty="0" smtClean="0"/>
+              <a:t>Beacons move around (on children)</a:t>
+            </a:r>
+          </a:p>
+          <a:p>
+            <a:pPr lvl="1"/>
+            <a:r>
+              <a:rPr lang="en-ZA" dirty="0" smtClean="0"/>
+              <a:t>Phones relay information </a:t>
+            </a:r>
+            <a:r>
+              <a:rPr lang="en-ZA" smtClean="0"/>
+              <a:t>to server</a:t>
+            </a:r>
+            <a:endParaRPr lang="en-ZA" dirty="0" smtClean="0"/>
+          </a:p>
+        </p:txBody>
+      </p:sp>
     </p:spTree>
     <p:extLst>
       <p:ext uri="{BB962C8B-B14F-4D97-AF65-F5344CB8AC3E}">
-        <p14:creationId xmlns:p14="http://schemas.microsoft.com/office/powerpoint/2010/main" val="2746284824"/>
+        <p14:creationId xmlns:p14="http://schemas.microsoft.com/office/powerpoint/2010/main" val="2960666161"/>
       </p:ext>
     </p:extLst>
   </p:cSld>
   <p:clrMapOvr>
     <a:masterClrMapping/>
   </p:clrMapOvr>
+  <p:timing>
+    <p:tnLst>
+      <p:par>
+        <p:cTn id="1" dur="indefinite" restart="never" nodeType="tmRoot"/>
+      </p:par>
+    </p:tnLst>
+  </p:timing>
 </p:sld>
 </file>
 
@@ -3878,79 +3873,141 @@
         </p:nvSpPr>
         <p:spPr/>
         <p:txBody>
-          <a:bodyPr/>
-          <a:lstStyle/>
-          <a:p>
-            <a:r>
-              <a:rPr lang="en-ZA" dirty="0" smtClean="0"/>
-              <a:t>Intended usage</a:t>
+          <a:bodyPr>
+            <a:normAutofit/>
+          </a:bodyPr>
+          <a:lstStyle/>
+          <a:p>
+            <a:r>
+              <a:rPr lang="en-ZA" dirty="0" smtClean="0"/>
+              <a:t>We have decided to switch from RFID’s to Bluetooth technology</a:t>
+            </a:r>
+            <a:endParaRPr lang="en-ZA" dirty="0"/>
+          </a:p>
+          <a:p>
+            <a:r>
+              <a:rPr lang="en-ZA" dirty="0" smtClean="0"/>
+              <a:t>Reason for the change</a:t>
             </a:r>
           </a:p>
           <a:p>
             <a:pPr lvl="1"/>
             <a:r>
               <a:rPr lang="en-ZA" dirty="0" smtClean="0"/>
-              <a:t>Beacon on painting</a:t>
+              <a:t>Cost</a:t>
             </a:r>
           </a:p>
           <a:p>
             <a:pPr lvl="1"/>
             <a:r>
               <a:rPr lang="en-ZA" dirty="0" smtClean="0"/>
-              <a:t>Bring phone close to painting</a:t>
+              <a:t>Wider signal range</a:t>
             </a:r>
           </a:p>
           <a:p>
             <a:pPr lvl="1"/>
             <a:r>
               <a:rPr lang="en-ZA" dirty="0" smtClean="0"/>
-              <a:t>App tells you about it</a:t>
-            </a:r>
-          </a:p>
-          <a:p>
-            <a:r>
-              <a:rPr lang="en-ZA" dirty="0" smtClean="0"/>
-              <a:t>Our usage</a:t>
-            </a:r>
-          </a:p>
-          <a:p>
-            <a:pPr lvl="1"/>
-            <a:r>
-              <a:rPr lang="en-ZA" dirty="0" smtClean="0"/>
-              <a:t>Cheap phones positioned around room</a:t>
-            </a:r>
-          </a:p>
-          <a:p>
-            <a:pPr lvl="1"/>
-            <a:r>
-              <a:rPr lang="en-ZA" dirty="0" smtClean="0"/>
-              <a:t>Beacons move around (on children)</a:t>
-            </a:r>
-          </a:p>
-          <a:p>
-            <a:pPr lvl="1"/>
-            <a:r>
-              <a:rPr lang="en-ZA" dirty="0" smtClean="0"/>
-              <a:t>Phones relay information </a:t>
-            </a:r>
-            <a:r>
-              <a:rPr lang="en-ZA" smtClean="0"/>
-              <a:t>to server</a:t>
-            </a:r>
-            <a:endParaRPr lang="en-ZA" dirty="0" smtClean="0"/>
+              <a:t>Receivers are readily available</a:t>
+            </a:r>
+          </a:p>
+          <a:p>
+            <a:pPr lvl="2"/>
+            <a:r>
+              <a:rPr lang="en-ZA" dirty="0" smtClean="0"/>
+              <a:t>Prototyping can be done with minimal cost</a:t>
+            </a:r>
+          </a:p>
+        </p:txBody>
+      </p:sp>
+      <p:pic>
+        <p:nvPicPr>
+          <p:cNvPr id="2050" name="Picture 2" descr="C:\Users\user\Downloads\MFG_NRF51822-BEACON_sml.jpg"/>
+          <p:cNvPicPr>
+            <a:picLocks noChangeAspect="1" noChangeArrowheads="1"/>
+          </p:cNvPicPr>
+          <p:nvPr/>
+        </p:nvPicPr>
+        <p:blipFill>
+          <a:blip r:embed="rId2">
+            <a:extLst>
+              <a:ext uri="{28A0092B-C50C-407E-A947-70E740481C1C}">
+                <a14:useLocalDpi xmlns:a14="http://schemas.microsoft.com/office/drawing/2010/main" val="0"/>
+              </a:ext>
+            </a:extLst>
+          </a:blip>
+          <a:srcRect/>
+          <a:stretch>
+            <a:fillRect/>
+          </a:stretch>
+        </p:blipFill>
+        <p:spPr bwMode="auto">
+          <a:xfrm>
+            <a:off x="7239000" y="4724400"/>
+            <a:ext cx="1905000" cy="1905000"/>
+          </a:xfrm>
+          <a:prstGeom prst="rect">
+            <a:avLst/>
+          </a:prstGeom>
+          <a:noFill/>
+          <a:extLst>
+            <a:ext uri="{909E8E84-426E-40DD-AFC4-6F175D3DCCD1}">
+              <a14:hiddenFill xmlns:a14="http://schemas.microsoft.com/office/drawing/2010/main">
+                <a:solidFill>
+                  <a:srgbClr val="FFFFFF"/>
+                </a:solidFill>
+              </a14:hiddenFill>
+            </a:ext>
+          </a:extLst>
+        </p:spPr>
+      </p:pic>
+      <p:sp>
+        <p:nvSpPr>
+          <p:cNvPr id="4" name="TextBox 3"/>
+          <p:cNvSpPr txBox="1"/>
+          <p:nvPr/>
+        </p:nvSpPr>
+        <p:spPr>
+          <a:xfrm>
+            <a:off x="7239000" y="4343400"/>
+            <a:ext cx="1905000" cy="307777"/>
+          </a:xfrm>
+          <a:prstGeom prst="rect">
+            <a:avLst/>
+          </a:prstGeom>
+          <a:noFill/>
+        </p:spPr>
+        <p:txBody>
+          <a:bodyPr wrap="square" rtlCol="0">
+            <a:spAutoFit/>
+          </a:bodyPr>
+          <a:lstStyle/>
+          <a:p>
+            <a:r>
+              <a:rPr lang="en-ZA" sz="1400" b="1" dirty="0"/>
+              <a:t>NRF51822-BEACON</a:t>
+            </a:r>
+            <a:endParaRPr lang="en-ZA" sz="1400" dirty="0"/>
           </a:p>
         </p:txBody>
       </p:sp>
     </p:spTree>
     <p:extLst>
       <p:ext uri="{BB962C8B-B14F-4D97-AF65-F5344CB8AC3E}">
-        <p14:creationId xmlns:p14="http://schemas.microsoft.com/office/powerpoint/2010/main" val="2960666161"/>
+        <p14:creationId xmlns:p14="http://schemas.microsoft.com/office/powerpoint/2010/main" val="213041126"/>
       </p:ext>
     </p:extLst>
   </p:cSld>
   <p:clrMapOvr>
     <a:masterClrMapping/>
   </p:clrMapOvr>
+  <p:timing>
+    <p:tnLst>
+      <p:par>
+        <p:cTn id="1" dur="indefinite" restart="never" nodeType="tmRoot"/>
+      </p:par>
+    </p:tnLst>
+  </p:timing>
 </p:sld>
 </file>
 
@@ -3988,6 +4045,183 @@
           <a:p>
             <a:r>
               <a:rPr lang="en-ZA" dirty="0" smtClean="0"/>
+              <a:t>Technologies</a:t>
+            </a:r>
+            <a:endParaRPr lang="en-ZA" dirty="0"/>
+          </a:p>
+        </p:txBody>
+      </p:sp>
+      <p:sp>
+        <p:nvSpPr>
+          <p:cNvPr id="3" name="Content Placeholder 2"/>
+          <p:cNvSpPr>
+            <a:spLocks noGrp="1"/>
+          </p:cNvSpPr>
+          <p:nvPr>
+            <p:ph idx="1"/>
+          </p:nvPr>
+        </p:nvSpPr>
+        <p:spPr/>
+        <p:txBody>
+          <a:bodyPr>
+            <a:normAutofit/>
+          </a:bodyPr>
+          <a:lstStyle/>
+          <a:p>
+            <a:r>
+              <a:rPr lang="en-ZA" dirty="0" smtClean="0"/>
+              <a:t>Triangulation</a:t>
+            </a:r>
+          </a:p>
+          <a:p>
+            <a:pPr lvl="1"/>
+            <a:r>
+              <a:rPr lang="en-ZA" dirty="0" smtClean="0"/>
+              <a:t>Determined </a:t>
+            </a:r>
+            <a:r>
+              <a:rPr lang="en-ZA" dirty="0"/>
+              <a:t>by measuring either the radial distance, </a:t>
+            </a:r>
+            <a:endParaRPr lang="en-ZA" dirty="0" smtClean="0"/>
+          </a:p>
+          <a:p>
+            <a:pPr lvl="1"/>
+            <a:r>
+              <a:rPr lang="en-ZA" dirty="0" smtClean="0"/>
+              <a:t>or </a:t>
+            </a:r>
+            <a:r>
+              <a:rPr lang="en-ZA" dirty="0"/>
+              <a:t>the direction, of the received </a:t>
+            </a:r>
+            <a:r>
+              <a:rPr lang="en-ZA" dirty="0" smtClean="0"/>
+              <a:t>signal from </a:t>
+            </a:r>
+            <a:r>
+              <a:rPr lang="en-ZA" dirty="0"/>
+              <a:t>two or three different </a:t>
+            </a:r>
+            <a:r>
+              <a:rPr lang="en-ZA" dirty="0" smtClean="0"/>
+              <a:t>points.</a:t>
+            </a:r>
+          </a:p>
+          <a:p>
+            <a:pPr lvl="1"/>
+            <a:r>
+              <a:rPr lang="en-ZA" dirty="0" smtClean="0"/>
+              <a:t>Bluetooth transmitters also provide signal strength which we will calibrate to use with our project.</a:t>
+            </a:r>
+          </a:p>
+          <a:p>
+            <a:pPr lvl="1"/>
+            <a:endParaRPr lang="en-ZA" dirty="0" smtClean="0"/>
+          </a:p>
+          <a:p>
+            <a:pPr marL="320040" lvl="1" indent="0">
+              <a:buNone/>
+            </a:pPr>
+            <a:endParaRPr lang="en-ZA" dirty="0"/>
+          </a:p>
+        </p:txBody>
+      </p:sp>
+      <p:pic>
+        <p:nvPicPr>
+          <p:cNvPr id="1026" name="Picture 2" descr="C:\Users\user\Downloads\triangulation.gif"/>
+          <p:cNvPicPr>
+            <a:picLocks noChangeAspect="1" noChangeArrowheads="1"/>
+          </p:cNvPicPr>
+          <p:nvPr/>
+        </p:nvPicPr>
+        <p:blipFill>
+          <a:blip r:embed="rId2">
+            <a:extLst>
+              <a:ext uri="{28A0092B-C50C-407E-A947-70E740481C1C}">
+                <a14:useLocalDpi xmlns:a14="http://schemas.microsoft.com/office/drawing/2010/main" val="0"/>
+              </a:ext>
+            </a:extLst>
+          </a:blip>
+          <a:srcRect/>
+          <a:stretch>
+            <a:fillRect/>
+          </a:stretch>
+        </p:blipFill>
+        <p:spPr bwMode="auto">
+          <a:xfrm>
+            <a:off x="7038975" y="0"/>
+            <a:ext cx="2105025" cy="3295650"/>
+          </a:xfrm>
+          <a:prstGeom prst="rect">
+            <a:avLst/>
+          </a:prstGeom>
+          <a:noFill/>
+          <a:extLst>
+            <a:ext uri="{909E8E84-426E-40DD-AFC4-6F175D3DCCD1}">
+              <a14:hiddenFill xmlns:a14="http://schemas.microsoft.com/office/drawing/2010/main">
+                <a:solidFill>
+                  <a:srgbClr val="FFFFFF"/>
+                </a:solidFill>
+              </a14:hiddenFill>
+            </a:ext>
+          </a:extLst>
+        </p:spPr>
+      </p:pic>
+    </p:spTree>
+    <p:extLst>
+      <p:ext uri="{BB962C8B-B14F-4D97-AF65-F5344CB8AC3E}">
+        <p14:creationId xmlns:p14="http://schemas.microsoft.com/office/powerpoint/2010/main" val="1980151040"/>
+      </p:ext>
+    </p:extLst>
+  </p:cSld>
+  <p:clrMapOvr>
+    <a:masterClrMapping/>
+  </p:clrMapOvr>
+  <p:timing>
+    <p:tnLst>
+      <p:par>
+        <p:cTn id="1" dur="indefinite" restart="never" nodeType="tmRoot"/>
+      </p:par>
+    </p:tnLst>
+  </p:timing>
+</p:sld>
+</file>
+
+<file path=ppt/slides/slide13.xml><?xml version="1.0" encoding="utf-8"?>
+<p:sld xmlns:a="http://schemas.openxmlformats.org/drawingml/2006/main" xmlns:r="http://schemas.openxmlformats.org/officeDocument/2006/relationships" xmlns:p="http://schemas.openxmlformats.org/presentationml/2006/main">
+  <p:cSld>
+    <p:spTree>
+      <p:nvGrpSpPr>
+        <p:cNvPr id="1" name=""/>
+        <p:cNvGrpSpPr/>
+        <p:nvPr/>
+      </p:nvGrpSpPr>
+      <p:grpSpPr>
+        <a:xfrm>
+          <a:off x="0" y="0"/>
+          <a:ext cx="0" cy="0"/>
+          <a:chOff x="0" y="0"/>
+          <a:chExt cx="0" cy="0"/>
+        </a:xfrm>
+      </p:grpSpPr>
+      <p:sp>
+        <p:nvSpPr>
+          <p:cNvPr id="2" name="Title 1"/>
+          <p:cNvSpPr>
+            <a:spLocks noGrp="1"/>
+          </p:cNvSpPr>
+          <p:nvPr>
+            <p:ph type="title"/>
+          </p:nvPr>
+        </p:nvSpPr>
+        <p:spPr/>
+        <p:txBody>
+          <a:bodyPr/>
+          <a:lstStyle/>
+          <a:p>
+            <a:r>
+              <a:rPr lang="en-ZA" dirty="0" smtClean="0"/>
               <a:t>Demo User Details</a:t>
             </a:r>
             <a:endParaRPr lang="en-ZA" dirty="0"/>
@@ -4062,8 +4296,13 @@
                   <a:schemeClr val="tx2"/>
                 </a:solidFill>
               </a:rPr>
-              <a:t>test@example.com</a:t>
-            </a:r>
+              <a:t>mrbean@gmail.com</a:t>
+            </a:r>
+            <a:endParaRPr lang="en-ZA" b="1" i="1" dirty="0" smtClean="0">
+              <a:solidFill>
+                <a:schemeClr val="tx2"/>
+              </a:solidFill>
+            </a:endParaRPr>
           </a:p>
           <a:p>
             <a:pPr lvl="1"/>
@@ -4136,12 +4375,14 @@
         </p:nvSpPr>
         <p:spPr/>
         <p:txBody>
-          <a:bodyPr/>
-          <a:lstStyle/>
-          <a:p>
-            <a:r>
-              <a:rPr lang="en-ZA" dirty="0" smtClean="0"/>
-              <a:t>DVT	</a:t>
+          <a:bodyPr>
+            <a:normAutofit/>
+          </a:bodyPr>
+          <a:lstStyle/>
+          <a:p>
+            <a:r>
+              <a:rPr lang="en-ZA" dirty="0" smtClean="0"/>
+              <a:t>Project Vision</a:t>
             </a:r>
             <a:endParaRPr lang="en-ZA" dirty="0"/>
           </a:p>
@@ -4163,48 +4404,41 @@
           <a:lstStyle/>
           <a:p>
             <a:r>
-              <a:rPr lang="en-ZA" dirty="0" smtClean="0"/>
-              <a:t>Software development company</a:t>
-            </a:r>
-          </a:p>
-          <a:p>
-            <a:r>
-              <a:rPr lang="en-ZA" dirty="0" smtClean="0"/>
-              <a:t>Specialising in mobile application development for firms and companies</a:t>
-            </a:r>
+              <a:rPr lang="en-ZA" dirty="0"/>
+              <a:t>Many restaurants aim to give parents a worry free dining experience </a:t>
+            </a:r>
+            <a:endParaRPr lang="en-ZA" dirty="0" smtClean="0"/>
+          </a:p>
+          <a:p>
+            <a:r>
+              <a:rPr lang="en-ZA" dirty="0"/>
+              <a:t>However, a parent still has the worry </a:t>
+            </a:r>
+            <a:endParaRPr lang="en-ZA" dirty="0" smtClean="0"/>
           </a:p>
           <a:p>
             <a:pPr lvl="1"/>
             <a:r>
               <a:rPr lang="en-ZA" dirty="0" smtClean="0"/>
-              <a:t>E.g.	</a:t>
-            </a:r>
-          </a:p>
-          <a:p>
-            <a:pPr lvl="2"/>
-            <a:r>
-              <a:rPr lang="en-ZA" dirty="0" smtClean="0"/>
-              <a:t>Price Check app</a:t>
-            </a:r>
-          </a:p>
-          <a:p>
-            <a:pPr lvl="2"/>
-            <a:r>
-              <a:rPr lang="en-ZA" dirty="0" smtClean="0"/>
-              <a:t>Standard bank tablet app</a:t>
-            </a:r>
-          </a:p>
-          <a:p>
-            <a:pPr lvl="2"/>
-            <a:r>
-              <a:rPr lang="en-ZA" dirty="0" smtClean="0"/>
-              <a:t>Vodacom/MTN tracking app</a:t>
-            </a:r>
-          </a:p>
-          <a:p>
-            <a:r>
-              <a:rPr lang="en-ZA" dirty="0" smtClean="0"/>
-              <a:t>Located in Hyde Park, JHB</a:t>
+              <a:t>They have a consistent </a:t>
+            </a:r>
+            <a:r>
+              <a:rPr lang="en-ZA" dirty="0"/>
+              <a:t>need to ensure their children are still in the safe and designated areas </a:t>
+            </a:r>
+          </a:p>
+          <a:p>
+            <a:r>
+              <a:rPr lang="en-ZA" dirty="0" smtClean="0"/>
+              <a:t>This </a:t>
+            </a:r>
+            <a:r>
+              <a:rPr lang="en-ZA" dirty="0"/>
+              <a:t>solution will attempt to assist the parents in being able to make sure their children are still in these areas without the need to get up from their </a:t>
+            </a:r>
+            <a:r>
+              <a:rPr lang="en-ZA" dirty="0" smtClean="0"/>
+              <a:t>tables</a:t>
             </a:r>
             <a:endParaRPr lang="en-ZA" dirty="0"/>
           </a:p>
@@ -4213,7 +4447,7 @@
     </p:spTree>
     <p:extLst>
       <p:ext uri="{BB962C8B-B14F-4D97-AF65-F5344CB8AC3E}">
-        <p14:creationId xmlns:p14="http://schemas.microsoft.com/office/powerpoint/2010/main" val="2547757115"/>
+        <p14:creationId xmlns:p14="http://schemas.microsoft.com/office/powerpoint/2010/main" val="803667498"/>
       </p:ext>
     </p:extLst>
   </p:cSld>
@@ -4266,7 +4500,7 @@
           <a:p>
             <a:r>
               <a:rPr lang="en-ZA" dirty="0" smtClean="0"/>
-              <a:t>Project Vision</a:t>
+              <a:t>Implementation Details</a:t>
             </a:r>
             <a:endParaRPr lang="en-ZA" dirty="0"/>
           </a:p>
@@ -4288,41 +4522,32 @@
           <a:lstStyle/>
           <a:p>
             <a:r>
-              <a:rPr lang="en-ZA" dirty="0"/>
-              <a:t>Many restaurants aim to give parents a worry free dining experience </a:t>
-            </a:r>
-            <a:endParaRPr lang="en-ZA" dirty="0" smtClean="0"/>
-          </a:p>
-          <a:p>
-            <a:r>
-              <a:rPr lang="en-ZA" dirty="0"/>
-              <a:t>However, a parent still has the worry </a:t>
-            </a:r>
-            <a:endParaRPr lang="en-ZA" dirty="0" smtClean="0"/>
-          </a:p>
-          <a:p>
-            <a:pPr lvl="1"/>
-            <a:r>
-              <a:rPr lang="en-ZA" dirty="0" smtClean="0"/>
-              <a:t>They have a consistent </a:t>
-            </a:r>
-            <a:r>
-              <a:rPr lang="en-ZA" dirty="0"/>
-              <a:t>need to ensure their children are still in the safe and designated areas </a:t>
-            </a:r>
-          </a:p>
-          <a:p>
-            <a:r>
-              <a:rPr lang="en-ZA" dirty="0" smtClean="0"/>
-              <a:t>This </a:t>
-            </a:r>
-            <a:r>
-              <a:rPr lang="en-ZA" dirty="0"/>
-              <a:t>solution will attempt to assist the parents in being able to make sure their children are still in these areas without the need to get up from their </a:t>
-            </a:r>
-            <a:r>
-              <a:rPr lang="en-ZA" dirty="0" smtClean="0"/>
-              <a:t>tables</a:t>
+              <a:rPr lang="en-ZA" dirty="0" smtClean="0"/>
+              <a:t>Using Bluetooth technology to track the whereabouts of children in a designated area (e.g. children’s play area)</a:t>
+            </a:r>
+          </a:p>
+          <a:p>
+            <a:r>
+              <a:rPr lang="en-ZA" dirty="0" smtClean="0"/>
+              <a:t>Receivers located around designated areas</a:t>
+            </a:r>
+          </a:p>
+          <a:p>
+            <a:r>
+              <a:rPr lang="en-ZA" dirty="0" smtClean="0"/>
+              <a:t>Transmit to local server which transmits to cloud server</a:t>
+            </a:r>
+          </a:p>
+          <a:p>
+            <a:r>
+              <a:rPr lang="en-ZA" dirty="0" smtClean="0"/>
+              <a:t>Reports location to mobile app</a:t>
+            </a:r>
+          </a:p>
+          <a:p>
+            <a:r>
+              <a:rPr lang="en-ZA" dirty="0" smtClean="0"/>
+              <a:t>Parents can view children’s location on map</a:t>
             </a:r>
             <a:endParaRPr lang="en-ZA" dirty="0"/>
           </a:p>
@@ -4331,7 +4556,7 @@
     </p:spTree>
     <p:extLst>
       <p:ext uri="{BB962C8B-B14F-4D97-AF65-F5344CB8AC3E}">
-        <p14:creationId xmlns:p14="http://schemas.microsoft.com/office/powerpoint/2010/main" val="803667498"/>
+        <p14:creationId xmlns:p14="http://schemas.microsoft.com/office/powerpoint/2010/main" val="1679834709"/>
       </p:ext>
     </p:extLst>
   </p:cSld>
@@ -4377,14 +4602,12 @@
         </p:nvSpPr>
         <p:spPr/>
         <p:txBody>
-          <a:bodyPr>
-            <a:normAutofit/>
-          </a:bodyPr>
-          <a:lstStyle/>
-          <a:p>
-            <a:r>
-              <a:rPr lang="en-ZA" dirty="0" smtClean="0"/>
-              <a:t>Implementation Details</a:t>
+          <a:bodyPr/>
+          <a:lstStyle/>
+          <a:p>
+            <a:r>
+              <a:rPr lang="en-ZA" dirty="0" smtClean="0"/>
+              <a:t>System Modules</a:t>
             </a:r>
             <a:endParaRPr lang="en-ZA" dirty="0"/>
           </a:p>
@@ -4407,45 +4630,50 @@
           <a:p>
             <a:r>
               <a:rPr lang="en-ZA" dirty="0" smtClean="0"/>
-              <a:t>Using </a:t>
-            </a:r>
-            <a:r>
-              <a:rPr lang="en-ZA" dirty="0" smtClean="0"/>
-              <a:t>Bluetooth technology </a:t>
-            </a:r>
-            <a:r>
-              <a:rPr lang="en-ZA" dirty="0" smtClean="0"/>
-              <a:t>to track the whereabouts of children in </a:t>
-            </a:r>
-            <a:r>
-              <a:rPr lang="en-ZA" dirty="0" smtClean="0"/>
-              <a:t>a designated area (e.g. children’s play area)</a:t>
-            </a:r>
-          </a:p>
-          <a:p>
-            <a:r>
-              <a:rPr lang="en-ZA" dirty="0" smtClean="0"/>
-              <a:t>Receivers located around designated areas</a:t>
-            </a:r>
-          </a:p>
-          <a:p>
-            <a:r>
-              <a:rPr lang="en-ZA" dirty="0" smtClean="0"/>
-              <a:t>Transmit to local server which transmits to cloud server</a:t>
-            </a:r>
-          </a:p>
-          <a:p>
-            <a:r>
-              <a:rPr lang="en-ZA" dirty="0" smtClean="0"/>
-              <a:t>Reports location to mobile app</a:t>
-            </a:r>
-            <a:endParaRPr lang="en-ZA" dirty="0" smtClean="0"/>
-          </a:p>
-          <a:p>
-            <a:r>
-              <a:rPr lang="en-ZA" dirty="0" smtClean="0"/>
-              <a:t>Parents can view children’s location on map</a:t>
-            </a:r>
+              <a:t>Web Administration</a:t>
+            </a:r>
+          </a:p>
+          <a:p>
+            <a:pPr lvl="1"/>
+            <a:r>
+              <a:rPr lang="en-ZA" dirty="0" smtClean="0"/>
+              <a:t>Basic Reporting</a:t>
+            </a:r>
+          </a:p>
+          <a:p>
+            <a:r>
+              <a:rPr lang="en-ZA" dirty="0" smtClean="0"/>
+              <a:t>Mobile </a:t>
+            </a:r>
+            <a:r>
+              <a:rPr lang="en-ZA" dirty="0"/>
+              <a:t>Application </a:t>
+            </a:r>
+          </a:p>
+          <a:p>
+            <a:r>
+              <a:rPr lang="en-ZA" dirty="0"/>
+              <a:t>Web API </a:t>
+            </a:r>
+          </a:p>
+          <a:p>
+            <a:r>
+              <a:rPr lang="en-ZA" dirty="0"/>
+              <a:t>Embedded Hardware and prototyping (POC). </a:t>
+            </a:r>
+          </a:p>
+          <a:p>
+            <a:pPr lvl="1"/>
+            <a:r>
+              <a:rPr lang="en-ZA" dirty="0" smtClean="0"/>
+              <a:t>Nice-to-have (unless we finish implementation early)</a:t>
+            </a:r>
+            <a:endParaRPr lang="en-ZA" dirty="0"/>
+          </a:p>
+          <a:p>
+            <a:pPr marL="45720" indent="0">
+              <a:buNone/>
+            </a:pPr>
             <a:endParaRPr lang="en-ZA" dirty="0"/>
           </a:p>
         </p:txBody>
@@ -4453,7 +4681,7 @@
     </p:spTree>
     <p:extLst>
       <p:ext uri="{BB962C8B-B14F-4D97-AF65-F5344CB8AC3E}">
-        <p14:creationId xmlns:p14="http://schemas.microsoft.com/office/powerpoint/2010/main" val="1679834709"/>
+        <p14:creationId xmlns:p14="http://schemas.microsoft.com/office/powerpoint/2010/main" val="3665822453"/>
       </p:ext>
     </p:extLst>
   </p:cSld>
@@ -4504,7 +4732,7 @@
           <a:p>
             <a:r>
               <a:rPr lang="en-ZA" dirty="0" smtClean="0"/>
-              <a:t>System Modules</a:t>
+              <a:t>Reporting Module</a:t>
             </a:r>
             <a:endParaRPr lang="en-ZA" dirty="0"/>
           </a:p>
@@ -4526,63 +4754,84 @@
           <a:lstStyle/>
           <a:p>
             <a:r>
-              <a:rPr lang="en-ZA" dirty="0" smtClean="0"/>
-              <a:t>Web Administration</a:t>
-            </a:r>
+              <a:rPr lang="en-US" dirty="0" smtClean="0"/>
+              <a:t>Available </a:t>
+            </a:r>
+            <a:r>
+              <a:rPr lang="en-US" dirty="0"/>
+              <a:t>through the web portal to system </a:t>
+            </a:r>
+            <a:r>
+              <a:rPr lang="en-US" dirty="0" smtClean="0"/>
+              <a:t>administrators</a:t>
+            </a:r>
+            <a:endParaRPr lang="en-US" dirty="0"/>
+          </a:p>
+          <a:p>
+            <a:r>
+              <a:rPr lang="en-US" dirty="0"/>
+              <a:t>It will provide statistics such as</a:t>
+            </a:r>
+            <a:r>
+              <a:rPr lang="en-US" dirty="0" smtClean="0"/>
+              <a:t>:</a:t>
+            </a:r>
+            <a:endParaRPr lang="en-US" dirty="0"/>
           </a:p>
           <a:p>
             <a:pPr lvl="1"/>
             <a:r>
-              <a:rPr lang="en-ZA" dirty="0" smtClean="0"/>
-              <a:t>Basic </a:t>
-            </a:r>
-            <a:r>
-              <a:rPr lang="en-ZA" dirty="0" smtClean="0"/>
-              <a:t>Reporting</a:t>
-            </a:r>
-          </a:p>
-          <a:p>
-            <a:r>
-              <a:rPr lang="en-ZA" dirty="0" smtClean="0"/>
-              <a:t>Mobile </a:t>
-            </a:r>
-            <a:r>
-              <a:rPr lang="en-ZA" dirty="0"/>
-              <a:t>Application </a:t>
-            </a:r>
-          </a:p>
-          <a:p>
-            <a:r>
-              <a:rPr lang="en-ZA" dirty="0"/>
-              <a:t>Web API </a:t>
-            </a:r>
-          </a:p>
-          <a:p>
-            <a:r>
-              <a:rPr lang="en-ZA" dirty="0"/>
-              <a:t>Embedded Hardware and prototyping (POC). </a:t>
-            </a:r>
+              <a:rPr lang="en-US" dirty="0" smtClean="0"/>
+              <a:t>Which </a:t>
+            </a:r>
+            <a:r>
+              <a:rPr lang="en-US" dirty="0"/>
+              <a:t>zones are used the </a:t>
+            </a:r>
+            <a:r>
+              <a:rPr lang="en-US" dirty="0" smtClean="0"/>
+              <a:t>most</a:t>
+            </a:r>
+            <a:endParaRPr lang="en-US" dirty="0"/>
           </a:p>
           <a:p>
             <a:pPr lvl="1"/>
             <a:r>
-              <a:rPr lang="en-ZA" dirty="0" smtClean="0"/>
-              <a:t>Nice-to-have (unless we finish implementation early)</a:t>
-            </a:r>
-            <a:endParaRPr lang="en-ZA" dirty="0"/>
-          </a:p>
-          <a:p>
-            <a:pPr marL="45720" indent="0">
-              <a:buNone/>
-            </a:pPr>
-            <a:endParaRPr lang="en-ZA" dirty="0"/>
+              <a:rPr lang="en-US" dirty="0" smtClean="0"/>
+              <a:t>How </a:t>
+            </a:r>
+            <a:r>
+              <a:rPr lang="en-US" dirty="0"/>
+              <a:t>often specific customers use the </a:t>
+            </a:r>
+            <a:r>
+              <a:rPr lang="en-US" dirty="0" smtClean="0"/>
+              <a:t>service</a:t>
+            </a:r>
+            <a:endParaRPr lang="en-US" dirty="0"/>
+          </a:p>
+          <a:p>
+            <a:pPr lvl="1"/>
+            <a:r>
+              <a:rPr lang="en-US" dirty="0" smtClean="0"/>
+              <a:t>Whether </a:t>
+            </a:r>
+            <a:r>
+              <a:rPr lang="en-US" dirty="0"/>
+              <a:t>any of the hardware devices are broken or </a:t>
+            </a:r>
+            <a:r>
+              <a:rPr lang="en-US" dirty="0" smtClean="0"/>
+              <a:t>malfunctioning</a:t>
+            </a:r>
+            <a:endParaRPr lang="en-US" dirty="0"/>
           </a:p>
         </p:txBody>
       </p:sp>
     </p:spTree>
     <p:extLst>
       <p:ext uri="{BB962C8B-B14F-4D97-AF65-F5344CB8AC3E}">
-        <p14:creationId xmlns:p14="http://schemas.microsoft.com/office/powerpoint/2010/main" val="3665822453"/>
+        <p14:creationId xmlns:p14="http://schemas.microsoft.com/office/powerpoint/2010/main" val="295525224"/>
       </p:ext>
     </p:extLst>
   </p:cSld>
@@ -4600,149 +4849,6 @@
 </file>
 
 <file path=ppt/slides/slide6.xml><?xml version="1.0" encoding="utf-8"?>
-<p:sld xmlns:a="http://schemas.openxmlformats.org/drawingml/2006/main" xmlns:r="http://schemas.openxmlformats.org/officeDocument/2006/relationships" xmlns:p="http://schemas.openxmlformats.org/presentationml/2006/main">
-  <p:cSld>
-    <p:spTree>
-      <p:nvGrpSpPr>
-        <p:cNvPr id="1" name=""/>
-        <p:cNvGrpSpPr/>
-        <p:nvPr/>
-      </p:nvGrpSpPr>
-      <p:grpSpPr>
-        <a:xfrm>
-          <a:off x="0" y="0"/>
-          <a:ext cx="0" cy="0"/>
-          <a:chOff x="0" y="0"/>
-          <a:chExt cx="0" cy="0"/>
-        </a:xfrm>
-      </p:grpSpPr>
-      <p:sp>
-        <p:nvSpPr>
-          <p:cNvPr id="2" name="Title 1"/>
-          <p:cNvSpPr>
-            <a:spLocks noGrp="1"/>
-          </p:cNvSpPr>
-          <p:nvPr>
-            <p:ph type="title"/>
-          </p:nvPr>
-        </p:nvSpPr>
-        <p:spPr/>
-        <p:txBody>
-          <a:bodyPr/>
-          <a:lstStyle/>
-          <a:p>
-            <a:r>
-              <a:rPr lang="en-ZA" dirty="0" smtClean="0"/>
-              <a:t>Reporting Module</a:t>
-            </a:r>
-            <a:endParaRPr lang="en-ZA" dirty="0"/>
-          </a:p>
-        </p:txBody>
-      </p:sp>
-      <p:sp>
-        <p:nvSpPr>
-          <p:cNvPr id="3" name="Content Placeholder 2"/>
-          <p:cNvSpPr>
-            <a:spLocks noGrp="1"/>
-          </p:cNvSpPr>
-          <p:nvPr>
-            <p:ph idx="1"/>
-          </p:nvPr>
-        </p:nvSpPr>
-        <p:spPr/>
-        <p:txBody>
-          <a:bodyPr/>
-          <a:lstStyle/>
-          <a:p>
-            <a:r>
-              <a:rPr lang="en-US" dirty="0" smtClean="0"/>
-              <a:t>Available </a:t>
-            </a:r>
-            <a:r>
-              <a:rPr lang="en-US" dirty="0"/>
-              <a:t>through the web portal to system </a:t>
-            </a:r>
-            <a:r>
-              <a:rPr lang="en-US" dirty="0" smtClean="0"/>
-              <a:t>administrators</a:t>
-            </a:r>
-            <a:endParaRPr lang="en-US" dirty="0"/>
-          </a:p>
-          <a:p>
-            <a:r>
-              <a:rPr lang="en-US" dirty="0"/>
-              <a:t>It will provide statistics such as</a:t>
-            </a:r>
-            <a:r>
-              <a:rPr lang="en-US" dirty="0" smtClean="0"/>
-              <a:t>:</a:t>
-            </a:r>
-            <a:endParaRPr lang="en-US" dirty="0"/>
-          </a:p>
-          <a:p>
-            <a:pPr lvl="1"/>
-            <a:r>
-              <a:rPr lang="en-US" dirty="0" smtClean="0"/>
-              <a:t>Which </a:t>
-            </a:r>
-            <a:r>
-              <a:rPr lang="en-US" dirty="0"/>
-              <a:t>zones are used the </a:t>
-            </a:r>
-            <a:r>
-              <a:rPr lang="en-US" dirty="0" smtClean="0"/>
-              <a:t>most</a:t>
-            </a:r>
-            <a:endParaRPr lang="en-US" dirty="0"/>
-          </a:p>
-          <a:p>
-            <a:pPr lvl="1"/>
-            <a:r>
-              <a:rPr lang="en-US" dirty="0" smtClean="0"/>
-              <a:t>How </a:t>
-            </a:r>
-            <a:r>
-              <a:rPr lang="en-US" dirty="0"/>
-              <a:t>often specific customers use the </a:t>
-            </a:r>
-            <a:r>
-              <a:rPr lang="en-US" dirty="0" smtClean="0"/>
-              <a:t>service</a:t>
-            </a:r>
-            <a:endParaRPr lang="en-US" dirty="0"/>
-          </a:p>
-          <a:p>
-            <a:pPr lvl="1"/>
-            <a:r>
-              <a:rPr lang="en-US" dirty="0" smtClean="0"/>
-              <a:t>Whether </a:t>
-            </a:r>
-            <a:r>
-              <a:rPr lang="en-US" dirty="0"/>
-              <a:t>any of the hardware devices are broken or </a:t>
-            </a:r>
-            <a:r>
-              <a:rPr lang="en-US" dirty="0" smtClean="0"/>
-              <a:t>malfunctioning</a:t>
-            </a:r>
-            <a:endParaRPr lang="en-US" dirty="0"/>
-          </a:p>
-        </p:txBody>
-      </p:sp>
-    </p:spTree>
-    <p:extLst>
-      <p:ext uri="{BB962C8B-B14F-4D97-AF65-F5344CB8AC3E}">
-        <p14:creationId xmlns:p14="http://schemas.microsoft.com/office/powerpoint/2010/main" val="295525224"/>
-      </p:ext>
-    </p:extLst>
-  </p:cSld>
-  <p:clrMapOvr>
-    <a:masterClrMapping/>
-  </p:clrMapOvr>
-</p:sld>
-</file>
-
-<file path=ppt/slides/slide7.xml><?xml version="1.0" encoding="utf-8"?>
 <p:sld xmlns:a="http://schemas.openxmlformats.org/drawingml/2006/main" xmlns:r="http://schemas.openxmlformats.org/officeDocument/2006/relationships" xmlns:p="http://schemas.openxmlformats.org/presentationml/2006/main">
   <p:cSld>
     <p:spTree>
@@ -4850,6 +4956,123 @@
 </p:sld>
 </file>
 
+<file path=ppt/slides/slide7.xml><?xml version="1.0" encoding="utf-8"?>
+<p:sld xmlns:a="http://schemas.openxmlformats.org/drawingml/2006/main" xmlns:r="http://schemas.openxmlformats.org/officeDocument/2006/relationships" xmlns:p="http://schemas.openxmlformats.org/presentationml/2006/main">
+  <p:cSld>
+    <p:spTree>
+      <p:nvGrpSpPr>
+        <p:cNvPr id="1" name=""/>
+        <p:cNvGrpSpPr/>
+        <p:nvPr/>
+      </p:nvGrpSpPr>
+      <p:grpSpPr>
+        <a:xfrm>
+          <a:off x="0" y="0"/>
+          <a:ext cx="0" cy="0"/>
+          <a:chOff x="0" y="0"/>
+          <a:chExt cx="0" cy="0"/>
+        </a:xfrm>
+      </p:grpSpPr>
+      <p:sp>
+        <p:nvSpPr>
+          <p:cNvPr id="2" name="Title 1"/>
+          <p:cNvSpPr>
+            <a:spLocks noGrp="1"/>
+          </p:cNvSpPr>
+          <p:nvPr>
+            <p:ph type="title"/>
+          </p:nvPr>
+        </p:nvSpPr>
+        <p:spPr/>
+        <p:txBody>
+          <a:bodyPr/>
+          <a:lstStyle/>
+          <a:p>
+            <a:r>
+              <a:rPr lang="en-ZA" dirty="0" smtClean="0"/>
+              <a:t>Technologies</a:t>
+            </a:r>
+            <a:endParaRPr lang="en-ZA" dirty="0"/>
+          </a:p>
+        </p:txBody>
+      </p:sp>
+      <p:sp>
+        <p:nvSpPr>
+          <p:cNvPr id="3" name="Content Placeholder 2"/>
+          <p:cNvSpPr>
+            <a:spLocks noGrp="1"/>
+          </p:cNvSpPr>
+          <p:nvPr>
+            <p:ph idx="1"/>
+          </p:nvPr>
+        </p:nvSpPr>
+        <p:spPr/>
+        <p:txBody>
+          <a:bodyPr>
+            <a:normAutofit/>
+          </a:bodyPr>
+          <a:lstStyle/>
+          <a:p>
+            <a:r>
+              <a:rPr lang="en-ZA" dirty="0" smtClean="0"/>
+              <a:t>Programming Language (Primary)</a:t>
+            </a:r>
+          </a:p>
+          <a:p>
+            <a:pPr lvl="1"/>
+            <a:r>
+              <a:rPr lang="en-ZA" dirty="0" smtClean="0"/>
+              <a:t>C#</a:t>
+            </a:r>
+          </a:p>
+          <a:p>
+            <a:r>
+              <a:rPr lang="en-ZA" dirty="0" smtClean="0"/>
+              <a:t>Database</a:t>
+            </a:r>
+          </a:p>
+          <a:p>
+            <a:pPr lvl="1"/>
+            <a:r>
+              <a:rPr lang="en-ZA" dirty="0" smtClean="0"/>
+              <a:t>SQL Server Express 2012</a:t>
+            </a:r>
+          </a:p>
+          <a:p>
+            <a:r>
+              <a:rPr lang="en-ZA" dirty="0" smtClean="0"/>
+              <a:t>Data Access Layer</a:t>
+            </a:r>
+          </a:p>
+          <a:p>
+            <a:pPr lvl="1"/>
+            <a:r>
+              <a:rPr lang="en-ZA" dirty="0" smtClean="0"/>
+              <a:t>Entity Framework (ORM)</a:t>
+            </a:r>
+          </a:p>
+        </p:txBody>
+      </p:sp>
+    </p:spTree>
+    <p:extLst>
+      <p:ext uri="{BB962C8B-B14F-4D97-AF65-F5344CB8AC3E}">
+        <p14:creationId xmlns:p14="http://schemas.microsoft.com/office/powerpoint/2010/main" val="3684242640"/>
+      </p:ext>
+    </p:extLst>
+  </p:cSld>
+  <p:clrMapOvr>
+    <a:masterClrMapping/>
+  </p:clrMapOvr>
+  <p:timing>
+    <p:tnLst>
+      <p:par>
+        <p:cTn id="1" dur="indefinite" restart="never" nodeType="tmRoot"/>
+      </p:par>
+    </p:tnLst>
+  </p:timing>
+</p:sld>
+</file>
+
 <file path=ppt/slides/slide8.xml><?xml version="1.0" encoding="utf-8"?>
 <p:sld xmlns:a="http://schemas.openxmlformats.org/drawingml/2006/main" xmlns:r="http://schemas.openxmlformats.org/officeDocument/2006/relationships" xmlns:p="http://schemas.openxmlformats.org/presentationml/2006/main">
   <p:cSld>
@@ -4909,48 +5132,66 @@
           <a:p>
             <a:r>
               <a:rPr lang="en-ZA" dirty="0" smtClean="0"/>
-              <a:t>Programming Language (Primary)</a:t>
+              <a:t>Web Development</a:t>
             </a:r>
           </a:p>
           <a:p>
             <a:pPr lvl="1"/>
             <a:r>
               <a:rPr lang="en-ZA" dirty="0" smtClean="0"/>
-              <a:t>C#</a:t>
-            </a:r>
-          </a:p>
-          <a:p>
-            <a:r>
-              <a:rPr lang="en-ZA" dirty="0" smtClean="0"/>
-              <a:t>Database</a:t>
+              <a:t>ASP.NET </a:t>
+            </a:r>
+            <a:r>
+              <a:rPr lang="en-ZA" dirty="0"/>
+              <a:t>MVC </a:t>
+            </a:r>
+            <a:r>
+              <a:rPr lang="en-ZA" dirty="0" smtClean="0"/>
+              <a:t>5</a:t>
             </a:r>
           </a:p>
           <a:p>
             <a:pPr lvl="1"/>
             <a:r>
-              <a:rPr lang="en-ZA" dirty="0" smtClean="0"/>
-              <a:t>SQL Server Express 2012</a:t>
-            </a:r>
-          </a:p>
-          <a:p>
-            <a:r>
-              <a:rPr lang="en-ZA" dirty="0" smtClean="0"/>
-              <a:t>Data Access Layer</a:t>
+              <a:rPr lang="en-ZA" dirty="0" err="1" smtClean="0"/>
+              <a:t>WebAPI</a:t>
+            </a:r>
+            <a:r>
+              <a:rPr lang="en-ZA" dirty="0" smtClean="0"/>
+              <a:t> 2.2</a:t>
+            </a:r>
+          </a:p>
+          <a:p>
+            <a:r>
+              <a:rPr lang="en-ZA" dirty="0" smtClean="0"/>
+              <a:t>IDEs</a:t>
             </a:r>
           </a:p>
           <a:p>
             <a:pPr lvl="1"/>
             <a:r>
               <a:rPr lang="en-ZA" dirty="0" smtClean="0"/>
-              <a:t>Entity Framework (ORM)</a:t>
-            </a:r>
+              <a:t>Microsoft Visual Studio 2013 Professional </a:t>
+            </a:r>
+          </a:p>
+          <a:p>
+            <a:pPr lvl="1"/>
+            <a:r>
+              <a:rPr lang="en-ZA" dirty="0" err="1" smtClean="0"/>
+              <a:t>Xamarin</a:t>
+            </a:r>
+            <a:r>
+              <a:rPr lang="en-ZA" dirty="0" smtClean="0"/>
+              <a:t> Studio</a:t>
+            </a:r>
+            <a:endParaRPr lang="en-ZA" dirty="0"/>
           </a:p>
         </p:txBody>
       </p:sp>
     </p:spTree>
     <p:extLst>
       <p:ext uri="{BB962C8B-B14F-4D97-AF65-F5344CB8AC3E}">
-        <p14:creationId xmlns:p14="http://schemas.microsoft.com/office/powerpoint/2010/main" val="3684242640"/>
+        <p14:creationId xmlns:p14="http://schemas.microsoft.com/office/powerpoint/2010/main" val="1400371903"/>
       </p:ext>
     </p:extLst>
   </p:cSld>
@@ -5001,7 +5242,7 @@
           <a:p>
             <a:r>
               <a:rPr lang="en-ZA" dirty="0" smtClean="0"/>
-              <a:t>Technologies</a:t>
+              <a:t>Hardware</a:t>
             </a:r>
             <a:endParaRPr lang="en-ZA" dirty="0"/>
           </a:p>
@@ -5019,73 +5260,86 @@
         </p:nvSpPr>
         <p:spPr/>
         <p:txBody>
-          <a:bodyPr>
-            <a:normAutofit/>
-          </a:bodyPr>
-          <a:lstStyle/>
-          <a:p>
-            <a:r>
-              <a:rPr lang="en-ZA" dirty="0" smtClean="0"/>
-              <a:t>Web Development</a:t>
+          <a:bodyPr/>
+          <a:lstStyle/>
+          <a:p>
+            <a:r>
+              <a:rPr lang="en-ZA" dirty="0" smtClean="0"/>
+              <a:t>Previously: Radio Frequency</a:t>
+            </a:r>
+          </a:p>
+          <a:p>
+            <a:r>
+              <a:rPr lang="en-ZA" dirty="0" smtClean="0"/>
+              <a:t>Now: Bluetooth 4</a:t>
             </a:r>
           </a:p>
           <a:p>
             <a:pPr lvl="1"/>
             <a:r>
               <a:rPr lang="en-ZA" dirty="0" smtClean="0"/>
-              <a:t>ASP.NET </a:t>
-            </a:r>
-            <a:r>
-              <a:rPr lang="en-ZA" dirty="0"/>
-              <a:t>MVC </a:t>
-            </a:r>
-            <a:r>
-              <a:rPr lang="en-ZA" dirty="0" smtClean="0"/>
-              <a:t>5</a:t>
+              <a:t>nRF51822</a:t>
             </a:r>
           </a:p>
           <a:p>
             <a:pPr lvl="1"/>
             <a:r>
-              <a:rPr lang="en-ZA" dirty="0" err="1" smtClean="0"/>
-              <a:t>WebAPI</a:t>
-            </a:r>
-            <a:r>
-              <a:rPr lang="en-ZA" dirty="0" smtClean="0"/>
-              <a:t> 2.2</a:t>
-            </a:r>
-          </a:p>
-          <a:p>
-            <a:r>
-              <a:rPr lang="en-ZA" dirty="0" smtClean="0"/>
-              <a:t>IDEs</a:t>
+              <a:rPr lang="en-ZA" dirty="0" smtClean="0"/>
+              <a:t>20mm diameter</a:t>
             </a:r>
           </a:p>
           <a:p>
             <a:pPr lvl="1"/>
             <a:r>
               <a:rPr lang="en-ZA" dirty="0" smtClean="0"/>
-              <a:t>Microsoft Visual Studio 2013 Professional </a:t>
-            </a:r>
+              <a:t>Firmware</a:t>
+            </a:r>
+            <a:endParaRPr lang="en-ZA" dirty="0"/>
           </a:p>
           <a:p>
             <a:pPr lvl="1"/>
             <a:r>
-              <a:rPr lang="en-ZA" dirty="0" err="1" smtClean="0"/>
-              <a:t>Xamarin</a:t>
-            </a:r>
-            <a:r>
-              <a:rPr lang="en-ZA" dirty="0" smtClean="0"/>
-              <a:t> Studio</a:t>
+              <a:rPr lang="en-ZA" dirty="0" smtClean="0"/>
+              <a:t>Android source code</a:t>
             </a:r>
             <a:endParaRPr lang="en-ZA" dirty="0"/>
           </a:p>
         </p:txBody>
       </p:sp>
+      <p:pic>
+        <p:nvPicPr>
+          <p:cNvPr id="4" name="Picture 3"/>
+          <p:cNvPicPr>
+            <a:picLocks noChangeAspect="1"/>
+          </p:cNvPicPr>
+          <p:nvPr/>
+        </p:nvPicPr>
+        <p:blipFill>
+          <a:blip r:embed="rId2" cstate="print">
+            <a:extLst>
+              <a:ext uri="{28A0092B-C50C-407E-A947-70E740481C1C}">
+                <a14:useLocalDpi xmlns:a14="http://schemas.microsoft.com/office/drawing/2010/main" val="0"/>
+              </a:ext>
+            </a:extLst>
+          </a:blip>
+          <a:stretch>
+            <a:fillRect/>
+          </a:stretch>
+        </p:blipFill>
+        <p:spPr>
+          <a:xfrm>
+            <a:off x="6248400" y="4539596"/>
+            <a:ext cx="2459935" cy="1885950"/>
+          </a:xfrm>
+          <a:prstGeom prst="rect">
+            <a:avLst/>
+          </a:prstGeom>
+        </p:spPr>
+      </p:pic>
     </p:spTree>
     <p:extLst>
       <p:ext uri="{BB962C8B-B14F-4D97-AF65-F5344CB8AC3E}">
-        <p14:creationId xmlns:p14="http://schemas.microsoft.com/office/powerpoint/2010/main" val="1400371903"/>
+        <p14:creationId xmlns:p14="http://schemas.microsoft.com/office/powerpoint/2010/main" val="2746284824"/>
       </p:ext>
     </p:extLst>
   </p:cSld>

--- a/Documentation/Presentations/MAU Tech - Demo 3.pptx
+++ b/Documentation/Presentations/MAU Tech - Demo 3.pptx
@@ -220,7 +220,7 @@
           <a:p>
             <a:fld id="{BE3EE897-F72E-4A2F-ADB1-49F9F5582FC6}" type="datetimeFigureOut">
               <a:rPr lang="en-ZA" smtClean="0"/>
-              <a:t>2014/08/22</a:t>
+              <a:t>2014-10-03</a:t>
             </a:fld>
             <a:endParaRPr lang="en-ZA"/>
           </a:p>
@@ -676,7 +676,7 @@
             <a:fld id="{1D8BD707-D9CF-40AE-B4C6-C98DA3205C09}" type="datetimeFigureOut">
               <a:rPr lang="en-US" smtClean="0"/>
               <a:pPr/>
-              <a:t>8/22/2014</a:t>
+              <a:t>10/3/2014</a:t>
             </a:fld>
             <a:endParaRPr lang="en-US"/>
           </a:p>
@@ -843,7 +843,7 @@
             <a:fld id="{1D8BD707-D9CF-40AE-B4C6-C98DA3205C09}" type="datetimeFigureOut">
               <a:rPr lang="en-US" smtClean="0"/>
               <a:pPr/>
-              <a:t>8/22/2014</a:t>
+              <a:t>10/3/2014</a:t>
             </a:fld>
             <a:endParaRPr lang="en-US"/>
           </a:p>
@@ -1020,7 +1020,7 @@
             <a:fld id="{1D8BD707-D9CF-40AE-B4C6-C98DA3205C09}" type="datetimeFigureOut">
               <a:rPr lang="en-US" smtClean="0"/>
               <a:pPr/>
-              <a:t>8/22/2014</a:t>
+              <a:t>10/3/2014</a:t>
             </a:fld>
             <a:endParaRPr lang="en-US"/>
           </a:p>
@@ -1187,7 +1187,7 @@
             <a:fld id="{1D8BD707-D9CF-40AE-B4C6-C98DA3205C09}" type="datetimeFigureOut">
               <a:rPr lang="en-US" smtClean="0"/>
               <a:pPr/>
-              <a:t>8/22/2014</a:t>
+              <a:t>10/3/2014</a:t>
             </a:fld>
             <a:endParaRPr lang="en-US"/>
           </a:p>
@@ -1428,7 +1428,7 @@
             <a:fld id="{1D8BD707-D9CF-40AE-B4C6-C98DA3205C09}" type="datetimeFigureOut">
               <a:rPr lang="en-US" smtClean="0"/>
               <a:pPr/>
-              <a:t>8/22/2014</a:t>
+              <a:t>10/3/2014</a:t>
             </a:fld>
             <a:endParaRPr lang="en-US"/>
           </a:p>
@@ -1520,7 +1520,7 @@
             <a:fld id="{1D8BD707-D9CF-40AE-B4C6-C98DA3205C09}" type="datetimeFigureOut">
               <a:rPr lang="en-US" smtClean="0"/>
               <a:pPr/>
-              <a:t>8/22/2014</a:t>
+              <a:t>10/3/2014</a:t>
             </a:fld>
             <a:endParaRPr lang="en-US"/>
           </a:p>
@@ -1896,7 +1896,7 @@
             <a:fld id="{1D8BD707-D9CF-40AE-B4C6-C98DA3205C09}" type="datetimeFigureOut">
               <a:rPr lang="en-US" smtClean="0"/>
               <a:pPr/>
-              <a:t>8/22/2014</a:t>
+              <a:t>10/3/2014</a:t>
             </a:fld>
             <a:endParaRPr lang="en-US"/>
           </a:p>
@@ -2153,7 +2153,7 @@
             <a:fld id="{1D8BD707-D9CF-40AE-B4C6-C98DA3205C09}" type="datetimeFigureOut">
               <a:rPr lang="en-US" smtClean="0"/>
               <a:pPr/>
-              <a:t>8/22/2014</a:t>
+              <a:t>10/3/2014</a:t>
             </a:fld>
             <a:endParaRPr lang="en-US"/>
           </a:p>
@@ -2245,7 +2245,7 @@
             <a:fld id="{1D8BD707-D9CF-40AE-B4C6-C98DA3205C09}" type="datetimeFigureOut">
               <a:rPr lang="en-US" smtClean="0"/>
               <a:pPr/>
-              <a:t>8/22/2014</a:t>
+              <a:t>10/3/2014</a:t>
             </a:fld>
             <a:endParaRPr lang="en-US"/>
           </a:p>
@@ -2521,7 +2521,7 @@
             <a:fld id="{1D8BD707-D9CF-40AE-B4C6-C98DA3205C09}" type="datetimeFigureOut">
               <a:rPr lang="en-US" smtClean="0"/>
               <a:pPr/>
-              <a:t>8/22/2014</a:t>
+              <a:t>10/3/2014</a:t>
             </a:fld>
             <a:endParaRPr lang="en-US"/>
           </a:p>
@@ -2795,7 +2795,7 @@
             <a:fld id="{1D8BD707-D9CF-40AE-B4C6-C98DA3205C09}" type="datetimeFigureOut">
               <a:rPr lang="en-US" smtClean="0"/>
               <a:pPr/>
-              <a:t>8/22/2014</a:t>
+              <a:t>10/3/2014</a:t>
             </a:fld>
             <a:endParaRPr lang="en-US"/>
           </a:p>
@@ -3097,7 +3097,7 @@
             <a:fld id="{1D8BD707-D9CF-40AE-B4C6-C98DA3205C09}" type="datetimeFigureOut">
               <a:rPr lang="en-US" smtClean="0"/>
               <a:pPr/>
-              <a:t>8/22/2014</a:t>
+              <a:t>10/3/2014</a:t>
             </a:fld>
             <a:endParaRPr lang="en-US"/>
           </a:p>
@@ -3559,40 +3559,17 @@
         </p:nvSpPr>
         <p:spPr>
           <a:xfrm>
-            <a:off x="914400" y="457200"/>
-            <a:ext cx="7315200" cy="4654449"/>
+            <a:off x="914400" y="457201"/>
+            <a:ext cx="7315200" cy="2057400"/>
           </a:xfrm>
         </p:spPr>
         <p:txBody>
-          <a:bodyPr/>
+          <a:bodyPr>
+            <a:normAutofit/>
+          </a:bodyPr>
           <a:lstStyle/>
           <a:p>
             <a:pPr algn="ctr"/>
-            <a:r>
-              <a:rPr lang="en-ZA" dirty="0" smtClean="0"/>
-              <a:t>COS 301</a:t>
-            </a:r>
-            <a:br>
-              <a:rPr lang="en-ZA" dirty="0" smtClean="0"/>
-            </a:br>
-            <a:r>
-              <a:rPr lang="en-ZA" dirty="0"/>
-              <a:t>&amp;</a:t>
-            </a:r>
-            <a:r>
-              <a:rPr lang="en-ZA" dirty="0" smtClean="0"/>
-              <a:t/>
-            </a:r>
-            <a:br>
-              <a:rPr lang="en-ZA" dirty="0" smtClean="0"/>
-            </a:br>
-            <a:r>
-              <a:rPr lang="en-ZA" dirty="0" smtClean="0"/>
-              <a:t>DVT</a:t>
-            </a:r>
-            <a:br>
-              <a:rPr lang="en-ZA" dirty="0" smtClean="0"/>
-            </a:br>
             <a:r>
               <a:rPr lang="en-ZA" dirty="0" smtClean="0"/>
               <a:t>Kinder Finder</a:t>
@@ -3626,7 +3603,7 @@
         </p:spPr>
         <p:txBody>
           <a:bodyPr>
-            <a:normAutofit fontScale="92500" lnSpcReduction="10000"/>
+            <a:normAutofit/>
           </a:bodyPr>
           <a:lstStyle/>
           <a:p>
@@ -3646,8 +3623,13 @@
           <a:p>
             <a:r>
               <a:rPr lang="en-ZA" dirty="0" smtClean="0"/>
-              <a:t>Michael Johnston	12053300	Lead Programmer</a:t>
-            </a:r>
+              <a:t>Michael Johnston	</a:t>
+            </a:r>
+            <a:r>
+              <a:rPr lang="en-ZA" dirty="0" smtClean="0"/>
+              <a:t>12053300</a:t>
+            </a:r>
+            <a:endParaRPr lang="en-ZA" dirty="0" smtClean="0"/>
           </a:p>
           <a:p>
             <a:r>
@@ -3655,17 +3637,43 @@
               <a:t>Po-Han Chiu (Arthur)	</a:t>
             </a:r>
             <a:r>
-              <a:rPr lang="en-ZA" dirty="0"/>
-              <a:t>11063612 </a:t>
-            </a:r>
-            <a:r>
-              <a:rPr lang="en-ZA" dirty="0" smtClean="0"/>
-              <a:t>	Psychological Counsellor	</a:t>
+              <a:rPr lang="en-ZA" dirty="0" smtClean="0"/>
+              <a:t>11063612</a:t>
             </a:r>
             <a:endParaRPr lang="en-ZA" dirty="0"/>
           </a:p>
         </p:txBody>
       </p:sp>
+      <p:pic>
+        <p:nvPicPr>
+          <p:cNvPr id="4" name="Picture 3"/>
+          <p:cNvPicPr>
+            <a:picLocks noChangeAspect="1"/>
+          </p:cNvPicPr>
+          <p:nvPr/>
+        </p:nvPicPr>
+        <p:blipFill>
+          <a:blip r:embed="rId2">
+            <a:extLst>
+              <a:ext uri="{28A0092B-C50C-407E-A947-70E740481C1C}">
+                <a14:useLocalDpi xmlns:a14="http://schemas.microsoft.com/office/drawing/2010/main" val="0"/>
+              </a:ext>
+            </a:extLst>
+          </a:blip>
+          <a:stretch>
+            <a:fillRect/>
+          </a:stretch>
+        </p:blipFill>
+        <p:spPr>
+          <a:xfrm>
+            <a:off x="2524125" y="2594011"/>
+            <a:ext cx="4095750" cy="1520897"/>
+          </a:xfrm>
+          <a:prstGeom prst="rect">
+            <a:avLst/>
+          </a:prstGeom>
+        </p:spPr>
+      </p:pic>
     </p:spTree>
     <p:extLst>
       <p:ext uri="{BB962C8B-B14F-4D97-AF65-F5344CB8AC3E}">
@@ -4298,11 +4306,6 @@
               </a:rPr>
               <a:t>mrbean@gmail.com</a:t>
             </a:r>
-            <a:endParaRPr lang="en-ZA" b="1" i="1" dirty="0" smtClean="0">
-              <a:solidFill>
-                <a:schemeClr val="tx2"/>
-              </a:solidFill>
-            </a:endParaRPr>
           </a:p>
           <a:p>
             <a:pPr lvl="1"/>
